--- a/Images/DMP_images/imgs.pptx
+++ b/Images/DMP_images/imgs.pptx
@@ -2,12 +2,12 @@
 <file path=ppt/presentation.xml><?xml version="1.0" encoding="utf-8"?>
 <p:presentation xmlns:a="http://schemas.openxmlformats.org/drawingml/2006/main" xmlns:r="http://schemas.openxmlformats.org/officeDocument/2006/relationships" xmlns:p="http://schemas.openxmlformats.org/presentationml/2006/main" saveSubsetFonts="1" autoCompressPictures="0">
   <p:sldMasterIdLst>
-    <p:sldMasterId id="2147483684" r:id="rId1"/>
+    <p:sldMasterId id="2147483696" r:id="rId1"/>
   </p:sldMasterIdLst>
   <p:sldIdLst>
     <p:sldId id="257" r:id="rId2"/>
   </p:sldIdLst>
-  <p:sldSz cx="15544800" cy="6400800"/>
+  <p:sldSz cx="14630400" cy="7315200"/>
   <p:notesSz cx="6858000" cy="9144000"/>
   <p:defaultTextStyle>
     <a:defPPr>
@@ -141,15 +141,15 @@
         </p:nvSpPr>
         <p:spPr>
           <a:xfrm>
-            <a:off x="1943100" y="1047539"/>
-            <a:ext cx="11658600" cy="2228427"/>
+            <a:off x="1828800" y="1197187"/>
+            <a:ext cx="10972800" cy="2546773"/>
           </a:xfrm>
         </p:spPr>
         <p:txBody>
           <a:bodyPr anchor="b"/>
           <a:lstStyle>
             <a:lvl1pPr algn="ctr">
-              <a:defRPr sz="5600"/>
+              <a:defRPr sz="6400"/>
             </a:lvl1pPr>
           </a:lstStyle>
           <a:p>
@@ -173,8 +173,8 @@
         </p:nvSpPr>
         <p:spPr>
           <a:xfrm>
-            <a:off x="1943100" y="3361902"/>
-            <a:ext cx="11658600" cy="1545378"/>
+            <a:off x="1828800" y="3842174"/>
+            <a:ext cx="10972800" cy="1766146"/>
           </a:xfrm>
         </p:spPr>
         <p:txBody>
@@ -182,39 +182,39 @@
           <a:lstStyle>
             <a:lvl1pPr marL="0" indent="0" algn="ctr">
               <a:buNone/>
-              <a:defRPr sz="2240"/>
+              <a:defRPr sz="2560"/>
             </a:lvl1pPr>
-            <a:lvl2pPr marL="426705" indent="0" algn="ctr">
-              <a:buNone/>
-              <a:defRPr sz="1867"/>
+            <a:lvl2pPr marL="487695" indent="0" algn="ctr">
+              <a:buNone/>
+              <a:defRPr sz="2133"/>
             </a:lvl2pPr>
-            <a:lvl3pPr marL="853410" indent="0" algn="ctr">
-              <a:buNone/>
-              <a:defRPr sz="1680"/>
+            <a:lvl3pPr marL="975390" indent="0" algn="ctr">
+              <a:buNone/>
+              <a:defRPr sz="1920"/>
             </a:lvl3pPr>
-            <a:lvl4pPr marL="1280114" indent="0" algn="ctr">
-              <a:buNone/>
-              <a:defRPr sz="1493"/>
+            <a:lvl4pPr marL="1463086" indent="0" algn="ctr">
+              <a:buNone/>
+              <a:defRPr sz="1707"/>
             </a:lvl4pPr>
-            <a:lvl5pPr marL="1706819" indent="0" algn="ctr">
-              <a:buNone/>
-              <a:defRPr sz="1493"/>
+            <a:lvl5pPr marL="1950781" indent="0" algn="ctr">
+              <a:buNone/>
+              <a:defRPr sz="1707"/>
             </a:lvl5pPr>
-            <a:lvl6pPr marL="2133524" indent="0" algn="ctr">
-              <a:buNone/>
-              <a:defRPr sz="1493"/>
+            <a:lvl6pPr marL="2438476" indent="0" algn="ctr">
+              <a:buNone/>
+              <a:defRPr sz="1707"/>
             </a:lvl6pPr>
-            <a:lvl7pPr marL="2560229" indent="0" algn="ctr">
-              <a:buNone/>
-              <a:defRPr sz="1493"/>
+            <a:lvl7pPr marL="2926171" indent="0" algn="ctr">
+              <a:buNone/>
+              <a:defRPr sz="1707"/>
             </a:lvl7pPr>
-            <a:lvl8pPr marL="2986933" indent="0" algn="ctr">
-              <a:buNone/>
-              <a:defRPr sz="1493"/>
+            <a:lvl8pPr marL="3413867" indent="0" algn="ctr">
+              <a:buNone/>
+              <a:defRPr sz="1707"/>
             </a:lvl8pPr>
-            <a:lvl9pPr marL="3413638" indent="0" algn="ctr">
-              <a:buNone/>
-              <a:defRPr sz="1493"/>
+            <a:lvl9pPr marL="3901562" indent="0" algn="ctr">
+              <a:buNone/>
+              <a:defRPr sz="1707"/>
             </a:lvl9pPr>
           </a:lstStyle>
           <a:p>
@@ -294,7 +294,7 @@
     </p:spTree>
     <p:extLst>
       <p:ext uri="{BB962C8B-B14F-4D97-AF65-F5344CB8AC3E}">
-        <p14:creationId xmlns:p14="http://schemas.microsoft.com/office/powerpoint/2010/main" val="3145483634"/>
+        <p14:creationId xmlns:p14="http://schemas.microsoft.com/office/powerpoint/2010/main" val="2213379739"/>
       </p:ext>
     </p:extLst>
   </p:cSld>
@@ -464,7 +464,7 @@
     </p:spTree>
     <p:extLst>
       <p:ext uri="{BB962C8B-B14F-4D97-AF65-F5344CB8AC3E}">
-        <p14:creationId xmlns:p14="http://schemas.microsoft.com/office/powerpoint/2010/main" val="3512444124"/>
+        <p14:creationId xmlns:p14="http://schemas.microsoft.com/office/powerpoint/2010/main" val="3255831124"/>
       </p:ext>
     </p:extLst>
   </p:cSld>
@@ -503,8 +503,8 @@
         </p:nvSpPr>
         <p:spPr>
           <a:xfrm>
-            <a:off x="11124247" y="340783"/>
-            <a:ext cx="3351848" cy="5424382"/>
+            <a:off x="10469880" y="389467"/>
+            <a:ext cx="3154680" cy="6199294"/>
           </a:xfrm>
         </p:spPr>
         <p:txBody>
@@ -531,8 +531,8 @@
         </p:nvSpPr>
         <p:spPr>
           <a:xfrm>
-            <a:off x="1068705" y="340783"/>
-            <a:ext cx="9861233" cy="5424382"/>
+            <a:off x="1005840" y="389467"/>
+            <a:ext cx="9281160" cy="6199294"/>
           </a:xfrm>
         </p:spPr>
         <p:txBody>
@@ -644,7 +644,7 @@
     </p:spTree>
     <p:extLst>
       <p:ext uri="{BB962C8B-B14F-4D97-AF65-F5344CB8AC3E}">
-        <p14:creationId xmlns:p14="http://schemas.microsoft.com/office/powerpoint/2010/main" val="3916700466"/>
+        <p14:creationId xmlns:p14="http://schemas.microsoft.com/office/powerpoint/2010/main" val="2837916918"/>
       </p:ext>
     </p:extLst>
   </p:cSld>
@@ -814,7 +814,7 @@
     </p:spTree>
     <p:extLst>
       <p:ext uri="{BB962C8B-B14F-4D97-AF65-F5344CB8AC3E}">
-        <p14:creationId xmlns:p14="http://schemas.microsoft.com/office/powerpoint/2010/main" val="3295709726"/>
+        <p14:creationId xmlns:p14="http://schemas.microsoft.com/office/powerpoint/2010/main" val="2949339220"/>
       </p:ext>
     </p:extLst>
   </p:cSld>
@@ -853,15 +853,15 @@
         </p:nvSpPr>
         <p:spPr>
           <a:xfrm>
-            <a:off x="1060609" y="1595756"/>
-            <a:ext cx="13407390" cy="2662555"/>
+            <a:off x="998220" y="1823721"/>
+            <a:ext cx="12618720" cy="3042919"/>
           </a:xfrm>
         </p:spPr>
         <p:txBody>
           <a:bodyPr anchor="b"/>
           <a:lstStyle>
             <a:lvl1pPr>
-              <a:defRPr sz="5600"/>
+              <a:defRPr sz="6400"/>
             </a:lvl1pPr>
           </a:lstStyle>
           <a:p>
@@ -885,8 +885,8 @@
         </p:nvSpPr>
         <p:spPr>
           <a:xfrm>
-            <a:off x="1060609" y="4283499"/>
-            <a:ext cx="13407390" cy="1400175"/>
+            <a:off x="998220" y="4895428"/>
+            <a:ext cx="12618720" cy="1600199"/>
           </a:xfrm>
         </p:spPr>
         <p:txBody>
@@ -894,7 +894,7 @@
           <a:lstStyle>
             <a:lvl1pPr marL="0" indent="0">
               <a:buNone/>
-              <a:defRPr sz="2240">
+              <a:defRPr sz="2560">
                 <a:solidFill>
                   <a:schemeClr val="tx1">
                     <a:tint val="75000"/>
@@ -902,9 +902,9 @@
                 </a:solidFill>
               </a:defRPr>
             </a:lvl1pPr>
-            <a:lvl2pPr marL="426705" indent="0">
-              <a:buNone/>
-              <a:defRPr sz="1867">
+            <a:lvl2pPr marL="487695" indent="0">
+              <a:buNone/>
+              <a:defRPr sz="2133">
                 <a:solidFill>
                   <a:schemeClr val="tx1">
                     <a:tint val="75000"/>
@@ -912,9 +912,9 @@
                 </a:solidFill>
               </a:defRPr>
             </a:lvl2pPr>
-            <a:lvl3pPr marL="853410" indent="0">
-              <a:buNone/>
-              <a:defRPr sz="1680">
+            <a:lvl3pPr marL="975390" indent="0">
+              <a:buNone/>
+              <a:defRPr sz="1920">
                 <a:solidFill>
                   <a:schemeClr val="tx1">
                     <a:tint val="75000"/>
@@ -922,9 +922,9 @@
                 </a:solidFill>
               </a:defRPr>
             </a:lvl3pPr>
-            <a:lvl4pPr marL="1280114" indent="0">
-              <a:buNone/>
-              <a:defRPr sz="1493">
+            <a:lvl4pPr marL="1463086" indent="0">
+              <a:buNone/>
+              <a:defRPr sz="1707">
                 <a:solidFill>
                   <a:schemeClr val="tx1">
                     <a:tint val="75000"/>
@@ -932,9 +932,9 @@
                 </a:solidFill>
               </a:defRPr>
             </a:lvl4pPr>
-            <a:lvl5pPr marL="1706819" indent="0">
-              <a:buNone/>
-              <a:defRPr sz="1493">
+            <a:lvl5pPr marL="1950781" indent="0">
+              <a:buNone/>
+              <a:defRPr sz="1707">
                 <a:solidFill>
                   <a:schemeClr val="tx1">
                     <a:tint val="75000"/>
@@ -942,9 +942,9 @@
                 </a:solidFill>
               </a:defRPr>
             </a:lvl5pPr>
-            <a:lvl6pPr marL="2133524" indent="0">
-              <a:buNone/>
-              <a:defRPr sz="1493">
+            <a:lvl6pPr marL="2438476" indent="0">
+              <a:buNone/>
+              <a:defRPr sz="1707">
                 <a:solidFill>
                   <a:schemeClr val="tx1">
                     <a:tint val="75000"/>
@@ -952,9 +952,9 @@
                 </a:solidFill>
               </a:defRPr>
             </a:lvl6pPr>
-            <a:lvl7pPr marL="2560229" indent="0">
-              <a:buNone/>
-              <a:defRPr sz="1493">
+            <a:lvl7pPr marL="2926171" indent="0">
+              <a:buNone/>
+              <a:defRPr sz="1707">
                 <a:solidFill>
                   <a:schemeClr val="tx1">
                     <a:tint val="75000"/>
@@ -962,9 +962,9 @@
                 </a:solidFill>
               </a:defRPr>
             </a:lvl7pPr>
-            <a:lvl8pPr marL="2986933" indent="0">
-              <a:buNone/>
-              <a:defRPr sz="1493">
+            <a:lvl8pPr marL="3413867" indent="0">
+              <a:buNone/>
+              <a:defRPr sz="1707">
                 <a:solidFill>
                   <a:schemeClr val="tx1">
                     <a:tint val="75000"/>
@@ -972,9 +972,9 @@
                 </a:solidFill>
               </a:defRPr>
             </a:lvl8pPr>
-            <a:lvl9pPr marL="3413638" indent="0">
-              <a:buNone/>
-              <a:defRPr sz="1493">
+            <a:lvl9pPr marL="3901562" indent="0">
+              <a:buNone/>
+              <a:defRPr sz="1707">
                 <a:solidFill>
                   <a:schemeClr val="tx1">
                     <a:tint val="75000"/>
@@ -1060,7 +1060,7 @@
     </p:spTree>
     <p:extLst>
       <p:ext uri="{BB962C8B-B14F-4D97-AF65-F5344CB8AC3E}">
-        <p14:creationId xmlns:p14="http://schemas.microsoft.com/office/powerpoint/2010/main" val="4124354714"/>
+        <p14:creationId xmlns:p14="http://schemas.microsoft.com/office/powerpoint/2010/main" val="536631494"/>
       </p:ext>
     </p:extLst>
   </p:cSld>
@@ -1122,8 +1122,8 @@
         </p:nvSpPr>
         <p:spPr>
           <a:xfrm>
-            <a:off x="1068705" y="1703917"/>
-            <a:ext cx="6606540" cy="4061249"/>
+            <a:off x="1005840" y="1947333"/>
+            <a:ext cx="6217920" cy="4641427"/>
           </a:xfrm>
         </p:spPr>
         <p:txBody>
@@ -1179,8 +1179,8 @@
         </p:nvSpPr>
         <p:spPr>
           <a:xfrm>
-            <a:off x="7869555" y="1703917"/>
-            <a:ext cx="6606540" cy="4061249"/>
+            <a:off x="7406640" y="1947333"/>
+            <a:ext cx="6217920" cy="4641427"/>
           </a:xfrm>
         </p:spPr>
         <p:txBody>
@@ -1292,7 +1292,7 @@
     </p:spTree>
     <p:extLst>
       <p:ext uri="{BB962C8B-B14F-4D97-AF65-F5344CB8AC3E}">
-        <p14:creationId xmlns:p14="http://schemas.microsoft.com/office/powerpoint/2010/main" val="148722315"/>
+        <p14:creationId xmlns:p14="http://schemas.microsoft.com/office/powerpoint/2010/main" val="3865203583"/>
       </p:ext>
     </p:extLst>
   </p:cSld>
@@ -1331,8 +1331,8 @@
         </p:nvSpPr>
         <p:spPr>
           <a:xfrm>
-            <a:off x="1070730" y="340784"/>
-            <a:ext cx="13407390" cy="1237192"/>
+            <a:off x="1007746" y="389467"/>
+            <a:ext cx="12618720" cy="1413934"/>
           </a:xfrm>
         </p:spPr>
         <p:txBody>
@@ -1359,8 +1359,8 @@
         </p:nvSpPr>
         <p:spPr>
           <a:xfrm>
-            <a:off x="1070731" y="1569085"/>
-            <a:ext cx="6576178" cy="768985"/>
+            <a:off x="1007746" y="1793241"/>
+            <a:ext cx="6189344" cy="878839"/>
           </a:xfrm>
         </p:spPr>
         <p:txBody>
@@ -1368,39 +1368,39 @@
           <a:lstStyle>
             <a:lvl1pPr marL="0" indent="0">
               <a:buNone/>
-              <a:defRPr sz="2240" b="1"/>
+              <a:defRPr sz="2560" b="1"/>
             </a:lvl1pPr>
-            <a:lvl2pPr marL="426705" indent="0">
-              <a:buNone/>
-              <a:defRPr sz="1867" b="1"/>
+            <a:lvl2pPr marL="487695" indent="0">
+              <a:buNone/>
+              <a:defRPr sz="2133" b="1"/>
             </a:lvl2pPr>
-            <a:lvl3pPr marL="853410" indent="0">
-              <a:buNone/>
-              <a:defRPr sz="1680" b="1"/>
+            <a:lvl3pPr marL="975390" indent="0">
+              <a:buNone/>
+              <a:defRPr sz="1920" b="1"/>
             </a:lvl3pPr>
-            <a:lvl4pPr marL="1280114" indent="0">
-              <a:buNone/>
-              <a:defRPr sz="1493" b="1"/>
+            <a:lvl4pPr marL="1463086" indent="0">
+              <a:buNone/>
+              <a:defRPr sz="1707" b="1"/>
             </a:lvl4pPr>
-            <a:lvl5pPr marL="1706819" indent="0">
-              <a:buNone/>
-              <a:defRPr sz="1493" b="1"/>
+            <a:lvl5pPr marL="1950781" indent="0">
+              <a:buNone/>
+              <a:defRPr sz="1707" b="1"/>
             </a:lvl5pPr>
-            <a:lvl6pPr marL="2133524" indent="0">
-              <a:buNone/>
-              <a:defRPr sz="1493" b="1"/>
+            <a:lvl6pPr marL="2438476" indent="0">
+              <a:buNone/>
+              <a:defRPr sz="1707" b="1"/>
             </a:lvl6pPr>
-            <a:lvl7pPr marL="2560229" indent="0">
-              <a:buNone/>
-              <a:defRPr sz="1493" b="1"/>
+            <a:lvl7pPr marL="2926171" indent="0">
+              <a:buNone/>
+              <a:defRPr sz="1707" b="1"/>
             </a:lvl7pPr>
-            <a:lvl8pPr marL="2986933" indent="0">
-              <a:buNone/>
-              <a:defRPr sz="1493" b="1"/>
+            <a:lvl8pPr marL="3413867" indent="0">
+              <a:buNone/>
+              <a:defRPr sz="1707" b="1"/>
             </a:lvl8pPr>
-            <a:lvl9pPr marL="3413638" indent="0">
-              <a:buNone/>
-              <a:defRPr sz="1493" b="1"/>
+            <a:lvl9pPr marL="3901562" indent="0">
+              <a:buNone/>
+              <a:defRPr sz="1707" b="1"/>
             </a:lvl9pPr>
           </a:lstStyle>
           <a:p>
@@ -1424,8 +1424,8 @@
         </p:nvSpPr>
         <p:spPr>
           <a:xfrm>
-            <a:off x="1070731" y="2338070"/>
-            <a:ext cx="6576178" cy="3438949"/>
+            <a:off x="1007746" y="2672080"/>
+            <a:ext cx="6189344" cy="3930227"/>
           </a:xfrm>
         </p:spPr>
         <p:txBody>
@@ -1481,8 +1481,8 @@
         </p:nvSpPr>
         <p:spPr>
           <a:xfrm>
-            <a:off x="7869555" y="1569085"/>
-            <a:ext cx="6608565" cy="768985"/>
+            <a:off x="7406640" y="1793241"/>
+            <a:ext cx="6219826" cy="878839"/>
           </a:xfrm>
         </p:spPr>
         <p:txBody>
@@ -1490,39 +1490,39 @@
           <a:lstStyle>
             <a:lvl1pPr marL="0" indent="0">
               <a:buNone/>
-              <a:defRPr sz="2240" b="1"/>
+              <a:defRPr sz="2560" b="1"/>
             </a:lvl1pPr>
-            <a:lvl2pPr marL="426705" indent="0">
-              <a:buNone/>
-              <a:defRPr sz="1867" b="1"/>
+            <a:lvl2pPr marL="487695" indent="0">
+              <a:buNone/>
+              <a:defRPr sz="2133" b="1"/>
             </a:lvl2pPr>
-            <a:lvl3pPr marL="853410" indent="0">
-              <a:buNone/>
-              <a:defRPr sz="1680" b="1"/>
+            <a:lvl3pPr marL="975390" indent="0">
+              <a:buNone/>
+              <a:defRPr sz="1920" b="1"/>
             </a:lvl3pPr>
-            <a:lvl4pPr marL="1280114" indent="0">
-              <a:buNone/>
-              <a:defRPr sz="1493" b="1"/>
+            <a:lvl4pPr marL="1463086" indent="0">
+              <a:buNone/>
+              <a:defRPr sz="1707" b="1"/>
             </a:lvl4pPr>
-            <a:lvl5pPr marL="1706819" indent="0">
-              <a:buNone/>
-              <a:defRPr sz="1493" b="1"/>
+            <a:lvl5pPr marL="1950781" indent="0">
+              <a:buNone/>
+              <a:defRPr sz="1707" b="1"/>
             </a:lvl5pPr>
-            <a:lvl6pPr marL="2133524" indent="0">
-              <a:buNone/>
-              <a:defRPr sz="1493" b="1"/>
+            <a:lvl6pPr marL="2438476" indent="0">
+              <a:buNone/>
+              <a:defRPr sz="1707" b="1"/>
             </a:lvl6pPr>
-            <a:lvl7pPr marL="2560229" indent="0">
-              <a:buNone/>
-              <a:defRPr sz="1493" b="1"/>
+            <a:lvl7pPr marL="2926171" indent="0">
+              <a:buNone/>
+              <a:defRPr sz="1707" b="1"/>
             </a:lvl7pPr>
-            <a:lvl8pPr marL="2986933" indent="0">
-              <a:buNone/>
-              <a:defRPr sz="1493" b="1"/>
+            <a:lvl8pPr marL="3413867" indent="0">
+              <a:buNone/>
+              <a:defRPr sz="1707" b="1"/>
             </a:lvl8pPr>
-            <a:lvl9pPr marL="3413638" indent="0">
-              <a:buNone/>
-              <a:defRPr sz="1493" b="1"/>
+            <a:lvl9pPr marL="3901562" indent="0">
+              <a:buNone/>
+              <a:defRPr sz="1707" b="1"/>
             </a:lvl9pPr>
           </a:lstStyle>
           <a:p>
@@ -1546,8 +1546,8 @@
         </p:nvSpPr>
         <p:spPr>
           <a:xfrm>
-            <a:off x="7869555" y="2338070"/>
-            <a:ext cx="6608565" cy="3438949"/>
+            <a:off x="7406640" y="2672080"/>
+            <a:ext cx="6219826" cy="3930227"/>
           </a:xfrm>
         </p:spPr>
         <p:txBody>
@@ -1659,7 +1659,7 @@
     </p:spTree>
     <p:extLst>
       <p:ext uri="{BB962C8B-B14F-4D97-AF65-F5344CB8AC3E}">
-        <p14:creationId xmlns:p14="http://schemas.microsoft.com/office/powerpoint/2010/main" val="3685982846"/>
+        <p14:creationId xmlns:p14="http://schemas.microsoft.com/office/powerpoint/2010/main" val="2013086820"/>
       </p:ext>
     </p:extLst>
   </p:cSld>
@@ -1777,7 +1777,7 @@
     </p:spTree>
     <p:extLst>
       <p:ext uri="{BB962C8B-B14F-4D97-AF65-F5344CB8AC3E}">
-        <p14:creationId xmlns:p14="http://schemas.microsoft.com/office/powerpoint/2010/main" val="1082280536"/>
+        <p14:creationId xmlns:p14="http://schemas.microsoft.com/office/powerpoint/2010/main" val="1276510129"/>
       </p:ext>
     </p:extLst>
   </p:cSld>
@@ -1872,7 +1872,7 @@
     </p:spTree>
     <p:extLst>
       <p:ext uri="{BB962C8B-B14F-4D97-AF65-F5344CB8AC3E}">
-        <p14:creationId xmlns:p14="http://schemas.microsoft.com/office/powerpoint/2010/main" val="247953207"/>
+        <p14:creationId xmlns:p14="http://schemas.microsoft.com/office/powerpoint/2010/main" val="3335303427"/>
       </p:ext>
     </p:extLst>
   </p:cSld>
@@ -1911,15 +1911,15 @@
         </p:nvSpPr>
         <p:spPr>
           <a:xfrm>
-            <a:off x="1070730" y="426720"/>
-            <a:ext cx="5013602" cy="1493520"/>
+            <a:off x="1007746" y="487680"/>
+            <a:ext cx="4718684" cy="1706880"/>
           </a:xfrm>
         </p:spPr>
         <p:txBody>
           <a:bodyPr anchor="b"/>
           <a:lstStyle>
             <a:lvl1pPr>
-              <a:defRPr sz="2987"/>
+              <a:defRPr sz="3413"/>
             </a:lvl1pPr>
           </a:lstStyle>
           <a:p>
@@ -1943,39 +1943,39 @@
         </p:nvSpPr>
         <p:spPr>
           <a:xfrm>
-            <a:off x="6608565" y="921597"/>
-            <a:ext cx="7869555" cy="4548717"/>
+            <a:off x="6219826" y="1053254"/>
+            <a:ext cx="7406640" cy="5198533"/>
           </a:xfrm>
         </p:spPr>
         <p:txBody>
           <a:bodyPr/>
           <a:lstStyle>
             <a:lvl1pPr>
-              <a:defRPr sz="2987"/>
+              <a:defRPr sz="3413"/>
             </a:lvl1pPr>
             <a:lvl2pPr>
-              <a:defRPr sz="2613"/>
+              <a:defRPr sz="2987"/>
             </a:lvl2pPr>
             <a:lvl3pPr>
-              <a:defRPr sz="2240"/>
+              <a:defRPr sz="2560"/>
             </a:lvl3pPr>
             <a:lvl4pPr>
-              <a:defRPr sz="1867"/>
+              <a:defRPr sz="2133"/>
             </a:lvl4pPr>
             <a:lvl5pPr>
-              <a:defRPr sz="1867"/>
+              <a:defRPr sz="2133"/>
             </a:lvl5pPr>
             <a:lvl6pPr>
-              <a:defRPr sz="1867"/>
+              <a:defRPr sz="2133"/>
             </a:lvl6pPr>
             <a:lvl7pPr>
-              <a:defRPr sz="1867"/>
+              <a:defRPr sz="2133"/>
             </a:lvl7pPr>
             <a:lvl8pPr>
-              <a:defRPr sz="1867"/>
+              <a:defRPr sz="2133"/>
             </a:lvl8pPr>
             <a:lvl9pPr>
-              <a:defRPr sz="1867"/>
+              <a:defRPr sz="2133"/>
             </a:lvl9pPr>
           </a:lstStyle>
           <a:p>
@@ -2028,8 +2028,8 @@
         </p:nvSpPr>
         <p:spPr>
           <a:xfrm>
-            <a:off x="1070730" y="1920240"/>
-            <a:ext cx="5013602" cy="3557482"/>
+            <a:off x="1007746" y="2194560"/>
+            <a:ext cx="4718684" cy="4065694"/>
           </a:xfrm>
         </p:spPr>
         <p:txBody>
@@ -2037,39 +2037,39 @@
           <a:lstStyle>
             <a:lvl1pPr marL="0" indent="0">
               <a:buNone/>
+              <a:defRPr sz="1707"/>
+            </a:lvl1pPr>
+            <a:lvl2pPr marL="487695" indent="0">
+              <a:buNone/>
               <a:defRPr sz="1493"/>
-            </a:lvl1pPr>
-            <a:lvl2pPr marL="426705" indent="0">
-              <a:buNone/>
-              <a:defRPr sz="1307"/>
             </a:lvl2pPr>
-            <a:lvl3pPr marL="853410" indent="0">
-              <a:buNone/>
-              <a:defRPr sz="1120"/>
+            <a:lvl3pPr marL="975390" indent="0">
+              <a:buNone/>
+              <a:defRPr sz="1280"/>
             </a:lvl3pPr>
-            <a:lvl4pPr marL="1280114" indent="0">
-              <a:buNone/>
-              <a:defRPr sz="933"/>
+            <a:lvl4pPr marL="1463086" indent="0">
+              <a:buNone/>
+              <a:defRPr sz="1067"/>
             </a:lvl4pPr>
-            <a:lvl5pPr marL="1706819" indent="0">
-              <a:buNone/>
-              <a:defRPr sz="933"/>
+            <a:lvl5pPr marL="1950781" indent="0">
+              <a:buNone/>
+              <a:defRPr sz="1067"/>
             </a:lvl5pPr>
-            <a:lvl6pPr marL="2133524" indent="0">
-              <a:buNone/>
-              <a:defRPr sz="933"/>
+            <a:lvl6pPr marL="2438476" indent="0">
+              <a:buNone/>
+              <a:defRPr sz="1067"/>
             </a:lvl6pPr>
-            <a:lvl7pPr marL="2560229" indent="0">
-              <a:buNone/>
-              <a:defRPr sz="933"/>
+            <a:lvl7pPr marL="2926171" indent="0">
+              <a:buNone/>
+              <a:defRPr sz="1067"/>
             </a:lvl7pPr>
-            <a:lvl8pPr marL="2986933" indent="0">
-              <a:buNone/>
-              <a:defRPr sz="933"/>
+            <a:lvl8pPr marL="3413867" indent="0">
+              <a:buNone/>
+              <a:defRPr sz="1067"/>
             </a:lvl8pPr>
-            <a:lvl9pPr marL="3413638" indent="0">
-              <a:buNone/>
-              <a:defRPr sz="933"/>
+            <a:lvl9pPr marL="3901562" indent="0">
+              <a:buNone/>
+              <a:defRPr sz="1067"/>
             </a:lvl9pPr>
           </a:lstStyle>
           <a:p>
@@ -2149,7 +2149,7 @@
     </p:spTree>
     <p:extLst>
       <p:ext uri="{BB962C8B-B14F-4D97-AF65-F5344CB8AC3E}">
-        <p14:creationId xmlns:p14="http://schemas.microsoft.com/office/powerpoint/2010/main" val="1146929340"/>
+        <p14:creationId xmlns:p14="http://schemas.microsoft.com/office/powerpoint/2010/main" val="1700120227"/>
       </p:ext>
     </p:extLst>
   </p:cSld>
@@ -2188,15 +2188,15 @@
         </p:nvSpPr>
         <p:spPr>
           <a:xfrm>
-            <a:off x="1070730" y="426720"/>
-            <a:ext cx="5013602" cy="1493520"/>
+            <a:off x="1007746" y="487680"/>
+            <a:ext cx="4718684" cy="1706880"/>
           </a:xfrm>
         </p:spPr>
         <p:txBody>
           <a:bodyPr anchor="b"/>
           <a:lstStyle>
             <a:lvl1pPr>
-              <a:defRPr sz="2987"/>
+              <a:defRPr sz="3413"/>
             </a:lvl1pPr>
           </a:lstStyle>
           <a:p>
@@ -2220,8 +2220,8 @@
         </p:nvSpPr>
         <p:spPr>
           <a:xfrm>
-            <a:off x="6608565" y="921597"/>
-            <a:ext cx="7869555" cy="4548717"/>
+            <a:off x="6219826" y="1053254"/>
+            <a:ext cx="7406640" cy="5198533"/>
           </a:xfrm>
         </p:spPr>
         <p:txBody>
@@ -2229,39 +2229,39 @@
           <a:lstStyle>
             <a:lvl1pPr marL="0" indent="0">
               <a:buNone/>
+              <a:defRPr sz="3413"/>
+            </a:lvl1pPr>
+            <a:lvl2pPr marL="487695" indent="0">
+              <a:buNone/>
               <a:defRPr sz="2987"/>
-            </a:lvl1pPr>
-            <a:lvl2pPr marL="426705" indent="0">
-              <a:buNone/>
-              <a:defRPr sz="2613"/>
             </a:lvl2pPr>
-            <a:lvl3pPr marL="853410" indent="0">
-              <a:buNone/>
-              <a:defRPr sz="2240"/>
+            <a:lvl3pPr marL="975390" indent="0">
+              <a:buNone/>
+              <a:defRPr sz="2560"/>
             </a:lvl3pPr>
-            <a:lvl4pPr marL="1280114" indent="0">
-              <a:buNone/>
-              <a:defRPr sz="1867"/>
+            <a:lvl4pPr marL="1463086" indent="0">
+              <a:buNone/>
+              <a:defRPr sz="2133"/>
             </a:lvl4pPr>
-            <a:lvl5pPr marL="1706819" indent="0">
-              <a:buNone/>
-              <a:defRPr sz="1867"/>
+            <a:lvl5pPr marL="1950781" indent="0">
+              <a:buNone/>
+              <a:defRPr sz="2133"/>
             </a:lvl5pPr>
-            <a:lvl6pPr marL="2133524" indent="0">
-              <a:buNone/>
-              <a:defRPr sz="1867"/>
+            <a:lvl6pPr marL="2438476" indent="0">
+              <a:buNone/>
+              <a:defRPr sz="2133"/>
             </a:lvl6pPr>
-            <a:lvl7pPr marL="2560229" indent="0">
-              <a:buNone/>
-              <a:defRPr sz="1867"/>
+            <a:lvl7pPr marL="2926171" indent="0">
+              <a:buNone/>
+              <a:defRPr sz="2133"/>
             </a:lvl7pPr>
-            <a:lvl8pPr marL="2986933" indent="0">
-              <a:buNone/>
-              <a:defRPr sz="1867"/>
+            <a:lvl8pPr marL="3413867" indent="0">
+              <a:buNone/>
+              <a:defRPr sz="2133"/>
             </a:lvl8pPr>
-            <a:lvl9pPr marL="3413638" indent="0">
-              <a:buNone/>
-              <a:defRPr sz="1867"/>
+            <a:lvl9pPr marL="3901562" indent="0">
+              <a:buNone/>
+              <a:defRPr sz="2133"/>
             </a:lvl9pPr>
           </a:lstStyle>
           <a:p>
@@ -2285,8 +2285,8 @@
         </p:nvSpPr>
         <p:spPr>
           <a:xfrm>
-            <a:off x="1070730" y="1920240"/>
-            <a:ext cx="5013602" cy="3557482"/>
+            <a:off x="1007746" y="2194560"/>
+            <a:ext cx="4718684" cy="4065694"/>
           </a:xfrm>
         </p:spPr>
         <p:txBody>
@@ -2294,39 +2294,39 @@
           <a:lstStyle>
             <a:lvl1pPr marL="0" indent="0">
               <a:buNone/>
+              <a:defRPr sz="1707"/>
+            </a:lvl1pPr>
+            <a:lvl2pPr marL="487695" indent="0">
+              <a:buNone/>
               <a:defRPr sz="1493"/>
-            </a:lvl1pPr>
-            <a:lvl2pPr marL="426705" indent="0">
-              <a:buNone/>
-              <a:defRPr sz="1307"/>
             </a:lvl2pPr>
-            <a:lvl3pPr marL="853410" indent="0">
-              <a:buNone/>
-              <a:defRPr sz="1120"/>
+            <a:lvl3pPr marL="975390" indent="0">
+              <a:buNone/>
+              <a:defRPr sz="1280"/>
             </a:lvl3pPr>
-            <a:lvl4pPr marL="1280114" indent="0">
-              <a:buNone/>
-              <a:defRPr sz="933"/>
+            <a:lvl4pPr marL="1463086" indent="0">
+              <a:buNone/>
+              <a:defRPr sz="1067"/>
             </a:lvl4pPr>
-            <a:lvl5pPr marL="1706819" indent="0">
-              <a:buNone/>
-              <a:defRPr sz="933"/>
+            <a:lvl5pPr marL="1950781" indent="0">
+              <a:buNone/>
+              <a:defRPr sz="1067"/>
             </a:lvl5pPr>
-            <a:lvl6pPr marL="2133524" indent="0">
-              <a:buNone/>
-              <a:defRPr sz="933"/>
+            <a:lvl6pPr marL="2438476" indent="0">
+              <a:buNone/>
+              <a:defRPr sz="1067"/>
             </a:lvl6pPr>
-            <a:lvl7pPr marL="2560229" indent="0">
-              <a:buNone/>
-              <a:defRPr sz="933"/>
+            <a:lvl7pPr marL="2926171" indent="0">
+              <a:buNone/>
+              <a:defRPr sz="1067"/>
             </a:lvl7pPr>
-            <a:lvl8pPr marL="2986933" indent="0">
-              <a:buNone/>
-              <a:defRPr sz="933"/>
+            <a:lvl8pPr marL="3413867" indent="0">
+              <a:buNone/>
+              <a:defRPr sz="1067"/>
             </a:lvl8pPr>
-            <a:lvl9pPr marL="3413638" indent="0">
-              <a:buNone/>
-              <a:defRPr sz="933"/>
+            <a:lvl9pPr marL="3901562" indent="0">
+              <a:buNone/>
+              <a:defRPr sz="1067"/>
             </a:lvl9pPr>
           </a:lstStyle>
           <a:p>
@@ -2406,7 +2406,7 @@
     </p:spTree>
     <p:extLst>
       <p:ext uri="{BB962C8B-B14F-4D97-AF65-F5344CB8AC3E}">
-        <p14:creationId xmlns:p14="http://schemas.microsoft.com/office/powerpoint/2010/main" val="2491565138"/>
+        <p14:creationId xmlns:p14="http://schemas.microsoft.com/office/powerpoint/2010/main" val="2753537422"/>
       </p:ext>
     </p:extLst>
   </p:cSld>
@@ -2450,8 +2450,8 @@
         </p:nvSpPr>
         <p:spPr>
           <a:xfrm>
-            <a:off x="1068705" y="340784"/>
-            <a:ext cx="13407390" cy="1237192"/>
+            <a:off x="1005840" y="389467"/>
+            <a:ext cx="12618720" cy="1413934"/>
           </a:xfrm>
           <a:prstGeom prst="rect">
             <a:avLst/>
@@ -2483,8 +2483,8 @@
         </p:nvSpPr>
         <p:spPr>
           <a:xfrm>
-            <a:off x="1068705" y="1703917"/>
-            <a:ext cx="13407390" cy="4061249"/>
+            <a:off x="1005840" y="1947333"/>
+            <a:ext cx="12618720" cy="4641427"/>
           </a:xfrm>
           <a:prstGeom prst="rect">
             <a:avLst/>
@@ -2545,8 +2545,8 @@
         </p:nvSpPr>
         <p:spPr>
           <a:xfrm>
-            <a:off x="1068705" y="5932594"/>
-            <a:ext cx="3497580" cy="340783"/>
+            <a:off x="1005840" y="6780107"/>
+            <a:ext cx="3291840" cy="389467"/>
           </a:xfrm>
           <a:prstGeom prst="rect">
             <a:avLst/>
@@ -2556,7 +2556,7 @@
           <a:bodyPr vert="horz" lIns="91440" tIns="45720" rIns="91440" bIns="45720" rtlCol="0" anchor="ctr"/>
           <a:lstStyle>
             <a:lvl1pPr algn="l">
-              <a:defRPr sz="1120">
+              <a:defRPr sz="1280">
                 <a:solidFill>
                   <a:schemeClr val="tx1">
                     <a:tint val="75000"/>
@@ -2586,8 +2586,8 @@
         </p:nvSpPr>
         <p:spPr>
           <a:xfrm>
-            <a:off x="5149215" y="5932594"/>
-            <a:ext cx="5246370" cy="340783"/>
+            <a:off x="4846320" y="6780107"/>
+            <a:ext cx="4937760" cy="389467"/>
           </a:xfrm>
           <a:prstGeom prst="rect">
             <a:avLst/>
@@ -2597,7 +2597,7 @@
           <a:bodyPr vert="horz" lIns="91440" tIns="45720" rIns="91440" bIns="45720" rtlCol="0" anchor="ctr"/>
           <a:lstStyle>
             <a:lvl1pPr algn="ctr">
-              <a:defRPr sz="1120">
+              <a:defRPr sz="1280">
                 <a:solidFill>
                   <a:schemeClr val="tx1">
                     <a:tint val="75000"/>
@@ -2623,8 +2623,8 @@
         </p:nvSpPr>
         <p:spPr>
           <a:xfrm>
-            <a:off x="10978515" y="5932594"/>
-            <a:ext cx="3497580" cy="340783"/>
+            <a:off x="10332720" y="6780107"/>
+            <a:ext cx="3291840" cy="389467"/>
           </a:xfrm>
           <a:prstGeom prst="rect">
             <a:avLst/>
@@ -2634,7 +2634,7 @@
           <a:bodyPr vert="horz" lIns="91440" tIns="45720" rIns="91440" bIns="45720" rtlCol="0" anchor="ctr"/>
           <a:lstStyle>
             <a:lvl1pPr algn="r">
-              <a:defRPr sz="1120">
+              <a:defRPr sz="1280">
                 <a:solidFill>
                   <a:schemeClr val="tx1">
                     <a:tint val="75000"/>
@@ -2655,27 +2655,27 @@
     </p:spTree>
     <p:extLst>
       <p:ext uri="{BB962C8B-B14F-4D97-AF65-F5344CB8AC3E}">
-        <p14:creationId xmlns:p14="http://schemas.microsoft.com/office/powerpoint/2010/main" val="1879654186"/>
+        <p14:creationId xmlns:p14="http://schemas.microsoft.com/office/powerpoint/2010/main" val="375440112"/>
       </p:ext>
     </p:extLst>
   </p:cSld>
   <p:clrMap bg1="lt1" tx1="dk1" bg2="lt2" tx2="dk2" accent1="accent1" accent2="accent2" accent3="accent3" accent4="accent4" accent5="accent5" accent6="accent6" hlink="hlink" folHlink="folHlink"/>
   <p:sldLayoutIdLst>
-    <p:sldLayoutId id="2147483685" r:id="rId1"/>
-    <p:sldLayoutId id="2147483686" r:id="rId2"/>
-    <p:sldLayoutId id="2147483687" r:id="rId3"/>
-    <p:sldLayoutId id="2147483688" r:id="rId4"/>
-    <p:sldLayoutId id="2147483689" r:id="rId5"/>
-    <p:sldLayoutId id="2147483690" r:id="rId6"/>
-    <p:sldLayoutId id="2147483691" r:id="rId7"/>
-    <p:sldLayoutId id="2147483692" r:id="rId8"/>
-    <p:sldLayoutId id="2147483693" r:id="rId9"/>
-    <p:sldLayoutId id="2147483694" r:id="rId10"/>
-    <p:sldLayoutId id="2147483695" r:id="rId11"/>
+    <p:sldLayoutId id="2147483697" r:id="rId1"/>
+    <p:sldLayoutId id="2147483698" r:id="rId2"/>
+    <p:sldLayoutId id="2147483699" r:id="rId3"/>
+    <p:sldLayoutId id="2147483700" r:id="rId4"/>
+    <p:sldLayoutId id="2147483701" r:id="rId5"/>
+    <p:sldLayoutId id="2147483702" r:id="rId6"/>
+    <p:sldLayoutId id="2147483703" r:id="rId7"/>
+    <p:sldLayoutId id="2147483704" r:id="rId8"/>
+    <p:sldLayoutId id="2147483705" r:id="rId9"/>
+    <p:sldLayoutId id="2147483706" r:id="rId10"/>
+    <p:sldLayoutId id="2147483707" r:id="rId11"/>
   </p:sldLayoutIdLst>
   <p:txStyles>
     <p:titleStyle>
-      <a:lvl1pPr algn="l" defTabSz="853410" rtl="0" eaLnBrk="1" latinLnBrk="0" hangingPunct="1">
+      <a:lvl1pPr algn="l" defTabSz="975390" rtl="0" eaLnBrk="1" latinLnBrk="0" hangingPunct="1">
         <a:lnSpc>
           <a:spcPct val="90000"/>
         </a:lnSpc>
@@ -2683,7 +2683,7 @@
           <a:spcPct val="0"/>
         </a:spcBef>
         <a:buNone/>
-        <a:defRPr sz="4107" kern="1200">
+        <a:defRPr sz="4693" kern="1200">
           <a:solidFill>
             <a:schemeClr val="tx1"/>
           </a:solidFill>
@@ -2694,16 +2694,16 @@
       </a:lvl1pPr>
     </p:titleStyle>
     <p:bodyStyle>
-      <a:lvl1pPr marL="213352" indent="-213352" algn="l" defTabSz="853410" rtl="0" eaLnBrk="1" latinLnBrk="0" hangingPunct="1">
+      <a:lvl1pPr marL="243848" indent="-243848" algn="l" defTabSz="975390" rtl="0" eaLnBrk="1" latinLnBrk="0" hangingPunct="1">
         <a:lnSpc>
           <a:spcPct val="90000"/>
         </a:lnSpc>
         <a:spcBef>
-          <a:spcPts val="933"/>
+          <a:spcPts val="1067"/>
         </a:spcBef>
         <a:buFont typeface="Arial" panose="020B0604020202020204" pitchFamily="34" charset="0"/>
         <a:buChar char="•"/>
-        <a:defRPr sz="2613" kern="1200">
+        <a:defRPr sz="2987" kern="1200">
           <a:solidFill>
             <a:schemeClr val="tx1"/>
           </a:solidFill>
@@ -2712,16 +2712,16 @@
           <a:cs typeface="+mn-cs"/>
         </a:defRPr>
       </a:lvl1pPr>
-      <a:lvl2pPr marL="640057" indent="-213352" algn="l" defTabSz="853410" rtl="0" eaLnBrk="1" latinLnBrk="0" hangingPunct="1">
+      <a:lvl2pPr marL="731543" indent="-243848" algn="l" defTabSz="975390" rtl="0" eaLnBrk="1" latinLnBrk="0" hangingPunct="1">
         <a:lnSpc>
           <a:spcPct val="90000"/>
         </a:lnSpc>
         <a:spcBef>
-          <a:spcPts val="467"/>
+          <a:spcPts val="533"/>
         </a:spcBef>
         <a:buFont typeface="Arial" panose="020B0604020202020204" pitchFamily="34" charset="0"/>
         <a:buChar char="•"/>
-        <a:defRPr sz="2240" kern="1200">
+        <a:defRPr sz="2560" kern="1200">
           <a:solidFill>
             <a:schemeClr val="tx1"/>
           </a:solidFill>
@@ -2730,16 +2730,16 @@
           <a:cs typeface="+mn-cs"/>
         </a:defRPr>
       </a:lvl2pPr>
-      <a:lvl3pPr marL="1066762" indent="-213352" algn="l" defTabSz="853410" rtl="0" eaLnBrk="1" latinLnBrk="0" hangingPunct="1">
+      <a:lvl3pPr marL="1219238" indent="-243848" algn="l" defTabSz="975390" rtl="0" eaLnBrk="1" latinLnBrk="0" hangingPunct="1">
         <a:lnSpc>
           <a:spcPct val="90000"/>
         </a:lnSpc>
         <a:spcBef>
-          <a:spcPts val="467"/>
+          <a:spcPts val="533"/>
         </a:spcBef>
         <a:buFont typeface="Arial" panose="020B0604020202020204" pitchFamily="34" charset="0"/>
         <a:buChar char="•"/>
-        <a:defRPr sz="1867" kern="1200">
+        <a:defRPr sz="2133" kern="1200">
           <a:solidFill>
             <a:schemeClr val="tx1"/>
           </a:solidFill>
@@ -2748,16 +2748,16 @@
           <a:cs typeface="+mn-cs"/>
         </a:defRPr>
       </a:lvl3pPr>
-      <a:lvl4pPr marL="1493467" indent="-213352" algn="l" defTabSz="853410" rtl="0" eaLnBrk="1" latinLnBrk="0" hangingPunct="1">
+      <a:lvl4pPr marL="1706933" indent="-243848" algn="l" defTabSz="975390" rtl="0" eaLnBrk="1" latinLnBrk="0" hangingPunct="1">
         <a:lnSpc>
           <a:spcPct val="90000"/>
         </a:lnSpc>
         <a:spcBef>
-          <a:spcPts val="467"/>
+          <a:spcPts val="533"/>
         </a:spcBef>
         <a:buFont typeface="Arial" panose="020B0604020202020204" pitchFamily="34" charset="0"/>
         <a:buChar char="•"/>
-        <a:defRPr sz="1680" kern="1200">
+        <a:defRPr sz="1920" kern="1200">
           <a:solidFill>
             <a:schemeClr val="tx1"/>
           </a:solidFill>
@@ -2766,16 +2766,16 @@
           <a:cs typeface="+mn-cs"/>
         </a:defRPr>
       </a:lvl4pPr>
-      <a:lvl5pPr marL="1920171" indent="-213352" algn="l" defTabSz="853410" rtl="0" eaLnBrk="1" latinLnBrk="0" hangingPunct="1">
+      <a:lvl5pPr marL="2194629" indent="-243848" algn="l" defTabSz="975390" rtl="0" eaLnBrk="1" latinLnBrk="0" hangingPunct="1">
         <a:lnSpc>
           <a:spcPct val="90000"/>
         </a:lnSpc>
         <a:spcBef>
-          <a:spcPts val="467"/>
+          <a:spcPts val="533"/>
         </a:spcBef>
         <a:buFont typeface="Arial" panose="020B0604020202020204" pitchFamily="34" charset="0"/>
         <a:buChar char="•"/>
-        <a:defRPr sz="1680" kern="1200">
+        <a:defRPr sz="1920" kern="1200">
           <a:solidFill>
             <a:schemeClr val="tx1"/>
           </a:solidFill>
@@ -2784,16 +2784,16 @@
           <a:cs typeface="+mn-cs"/>
         </a:defRPr>
       </a:lvl5pPr>
-      <a:lvl6pPr marL="2346876" indent="-213352" algn="l" defTabSz="853410" rtl="0" eaLnBrk="1" latinLnBrk="0" hangingPunct="1">
+      <a:lvl6pPr marL="2682324" indent="-243848" algn="l" defTabSz="975390" rtl="0" eaLnBrk="1" latinLnBrk="0" hangingPunct="1">
         <a:lnSpc>
           <a:spcPct val="90000"/>
         </a:lnSpc>
         <a:spcBef>
-          <a:spcPts val="467"/>
+          <a:spcPts val="533"/>
         </a:spcBef>
         <a:buFont typeface="Arial" panose="020B0604020202020204" pitchFamily="34" charset="0"/>
         <a:buChar char="•"/>
-        <a:defRPr sz="1680" kern="1200">
+        <a:defRPr sz="1920" kern="1200">
           <a:solidFill>
             <a:schemeClr val="tx1"/>
           </a:solidFill>
@@ -2802,16 +2802,16 @@
           <a:cs typeface="+mn-cs"/>
         </a:defRPr>
       </a:lvl6pPr>
-      <a:lvl7pPr marL="2773581" indent="-213352" algn="l" defTabSz="853410" rtl="0" eaLnBrk="1" latinLnBrk="0" hangingPunct="1">
+      <a:lvl7pPr marL="3170019" indent="-243848" algn="l" defTabSz="975390" rtl="0" eaLnBrk="1" latinLnBrk="0" hangingPunct="1">
         <a:lnSpc>
           <a:spcPct val="90000"/>
         </a:lnSpc>
         <a:spcBef>
-          <a:spcPts val="467"/>
+          <a:spcPts val="533"/>
         </a:spcBef>
         <a:buFont typeface="Arial" panose="020B0604020202020204" pitchFamily="34" charset="0"/>
         <a:buChar char="•"/>
-        <a:defRPr sz="1680" kern="1200">
+        <a:defRPr sz="1920" kern="1200">
           <a:solidFill>
             <a:schemeClr val="tx1"/>
           </a:solidFill>
@@ -2820,16 +2820,16 @@
           <a:cs typeface="+mn-cs"/>
         </a:defRPr>
       </a:lvl7pPr>
-      <a:lvl8pPr marL="3200286" indent="-213352" algn="l" defTabSz="853410" rtl="0" eaLnBrk="1" latinLnBrk="0" hangingPunct="1">
+      <a:lvl8pPr marL="3657714" indent="-243848" algn="l" defTabSz="975390" rtl="0" eaLnBrk="1" latinLnBrk="0" hangingPunct="1">
         <a:lnSpc>
           <a:spcPct val="90000"/>
         </a:lnSpc>
         <a:spcBef>
-          <a:spcPts val="467"/>
+          <a:spcPts val="533"/>
         </a:spcBef>
         <a:buFont typeface="Arial" panose="020B0604020202020204" pitchFamily="34" charset="0"/>
         <a:buChar char="•"/>
-        <a:defRPr sz="1680" kern="1200">
+        <a:defRPr sz="1920" kern="1200">
           <a:solidFill>
             <a:schemeClr val="tx1"/>
           </a:solidFill>
@@ -2838,16 +2838,16 @@
           <a:cs typeface="+mn-cs"/>
         </a:defRPr>
       </a:lvl8pPr>
-      <a:lvl9pPr marL="3626990" indent="-213352" algn="l" defTabSz="853410" rtl="0" eaLnBrk="1" latinLnBrk="0" hangingPunct="1">
+      <a:lvl9pPr marL="4145410" indent="-243848" algn="l" defTabSz="975390" rtl="0" eaLnBrk="1" latinLnBrk="0" hangingPunct="1">
         <a:lnSpc>
           <a:spcPct val="90000"/>
         </a:lnSpc>
         <a:spcBef>
-          <a:spcPts val="467"/>
+          <a:spcPts val="533"/>
         </a:spcBef>
         <a:buFont typeface="Arial" panose="020B0604020202020204" pitchFamily="34" charset="0"/>
         <a:buChar char="•"/>
-        <a:defRPr sz="1680" kern="1200">
+        <a:defRPr sz="1920" kern="1200">
           <a:solidFill>
             <a:schemeClr val="tx1"/>
           </a:solidFill>
@@ -2861,8 +2861,8 @@
       <a:defPPr>
         <a:defRPr lang="en-US"/>
       </a:defPPr>
-      <a:lvl1pPr marL="0" algn="l" defTabSz="853410" rtl="0" eaLnBrk="1" latinLnBrk="0" hangingPunct="1">
-        <a:defRPr sz="1680" kern="1200">
+      <a:lvl1pPr marL="0" algn="l" defTabSz="975390" rtl="0" eaLnBrk="1" latinLnBrk="0" hangingPunct="1">
+        <a:defRPr sz="1920" kern="1200">
           <a:solidFill>
             <a:schemeClr val="tx1"/>
           </a:solidFill>
@@ -2871,8 +2871,8 @@
           <a:cs typeface="+mn-cs"/>
         </a:defRPr>
       </a:lvl1pPr>
-      <a:lvl2pPr marL="426705" algn="l" defTabSz="853410" rtl="0" eaLnBrk="1" latinLnBrk="0" hangingPunct="1">
-        <a:defRPr sz="1680" kern="1200">
+      <a:lvl2pPr marL="487695" algn="l" defTabSz="975390" rtl="0" eaLnBrk="1" latinLnBrk="0" hangingPunct="1">
+        <a:defRPr sz="1920" kern="1200">
           <a:solidFill>
             <a:schemeClr val="tx1"/>
           </a:solidFill>
@@ -2881,8 +2881,8 @@
           <a:cs typeface="+mn-cs"/>
         </a:defRPr>
       </a:lvl2pPr>
-      <a:lvl3pPr marL="853410" algn="l" defTabSz="853410" rtl="0" eaLnBrk="1" latinLnBrk="0" hangingPunct="1">
-        <a:defRPr sz="1680" kern="1200">
+      <a:lvl3pPr marL="975390" algn="l" defTabSz="975390" rtl="0" eaLnBrk="1" latinLnBrk="0" hangingPunct="1">
+        <a:defRPr sz="1920" kern="1200">
           <a:solidFill>
             <a:schemeClr val="tx1"/>
           </a:solidFill>
@@ -2891,8 +2891,8 @@
           <a:cs typeface="+mn-cs"/>
         </a:defRPr>
       </a:lvl3pPr>
-      <a:lvl4pPr marL="1280114" algn="l" defTabSz="853410" rtl="0" eaLnBrk="1" latinLnBrk="0" hangingPunct="1">
-        <a:defRPr sz="1680" kern="1200">
+      <a:lvl4pPr marL="1463086" algn="l" defTabSz="975390" rtl="0" eaLnBrk="1" latinLnBrk="0" hangingPunct="1">
+        <a:defRPr sz="1920" kern="1200">
           <a:solidFill>
             <a:schemeClr val="tx1"/>
           </a:solidFill>
@@ -2901,8 +2901,8 @@
           <a:cs typeface="+mn-cs"/>
         </a:defRPr>
       </a:lvl4pPr>
-      <a:lvl5pPr marL="1706819" algn="l" defTabSz="853410" rtl="0" eaLnBrk="1" latinLnBrk="0" hangingPunct="1">
-        <a:defRPr sz="1680" kern="1200">
+      <a:lvl5pPr marL="1950781" algn="l" defTabSz="975390" rtl="0" eaLnBrk="1" latinLnBrk="0" hangingPunct="1">
+        <a:defRPr sz="1920" kern="1200">
           <a:solidFill>
             <a:schemeClr val="tx1"/>
           </a:solidFill>
@@ -2911,8 +2911,8 @@
           <a:cs typeface="+mn-cs"/>
         </a:defRPr>
       </a:lvl5pPr>
-      <a:lvl6pPr marL="2133524" algn="l" defTabSz="853410" rtl="0" eaLnBrk="1" latinLnBrk="0" hangingPunct="1">
-        <a:defRPr sz="1680" kern="1200">
+      <a:lvl6pPr marL="2438476" algn="l" defTabSz="975390" rtl="0" eaLnBrk="1" latinLnBrk="0" hangingPunct="1">
+        <a:defRPr sz="1920" kern="1200">
           <a:solidFill>
             <a:schemeClr val="tx1"/>
           </a:solidFill>
@@ -2921,8 +2921,8 @@
           <a:cs typeface="+mn-cs"/>
         </a:defRPr>
       </a:lvl6pPr>
-      <a:lvl7pPr marL="2560229" algn="l" defTabSz="853410" rtl="0" eaLnBrk="1" latinLnBrk="0" hangingPunct="1">
-        <a:defRPr sz="1680" kern="1200">
+      <a:lvl7pPr marL="2926171" algn="l" defTabSz="975390" rtl="0" eaLnBrk="1" latinLnBrk="0" hangingPunct="1">
+        <a:defRPr sz="1920" kern="1200">
           <a:solidFill>
             <a:schemeClr val="tx1"/>
           </a:solidFill>
@@ -2931,8 +2931,8 @@
           <a:cs typeface="+mn-cs"/>
         </a:defRPr>
       </a:lvl7pPr>
-      <a:lvl8pPr marL="2986933" algn="l" defTabSz="853410" rtl="0" eaLnBrk="1" latinLnBrk="0" hangingPunct="1">
-        <a:defRPr sz="1680" kern="1200">
+      <a:lvl8pPr marL="3413867" algn="l" defTabSz="975390" rtl="0" eaLnBrk="1" latinLnBrk="0" hangingPunct="1">
+        <a:defRPr sz="1920" kern="1200">
           <a:solidFill>
             <a:schemeClr val="tx1"/>
           </a:solidFill>
@@ -2941,8 +2941,8 @@
           <a:cs typeface="+mn-cs"/>
         </a:defRPr>
       </a:lvl8pPr>
-      <a:lvl9pPr marL="3413638" algn="l" defTabSz="853410" rtl="0" eaLnBrk="1" latinLnBrk="0" hangingPunct="1">
-        <a:defRPr sz="1680" kern="1200">
+      <a:lvl9pPr marL="3901562" algn="l" defTabSz="975390" rtl="0" eaLnBrk="1" latinLnBrk="0" hangingPunct="1">
+        <a:defRPr sz="1920" kern="1200">
           <a:solidFill>
             <a:schemeClr val="tx1"/>
           </a:solidFill>
@@ -2979,6 +2979,860 @@
           <a:chExt cx="0" cy="0"/>
         </a:xfrm>
       </p:grpSpPr>
+      <p:pic>
+        <p:nvPicPr>
+          <p:cNvPr id="23" name="Picture 22">
+            <a:extLst>
+              <a:ext uri="{FF2B5EF4-FFF2-40B4-BE49-F238E27FC236}">
+                <a16:creationId xmlns:a16="http://schemas.microsoft.com/office/drawing/2014/main" id="{14704761-9D4C-A323-96DE-11299E90817D}"/>
+              </a:ext>
+            </a:extLst>
+          </p:cNvPr>
+          <p:cNvPicPr>
+            <a:picLocks noChangeAspect="1"/>
+          </p:cNvPicPr>
+          <p:nvPr/>
+        </p:nvPicPr>
+        <p:blipFill>
+          <a:blip r:embed="rId2"/>
+          <a:stretch>
+            <a:fillRect/>
+          </a:stretch>
+        </p:blipFill>
+        <p:spPr>
+          <a:xfrm>
+            <a:off x="2885493" y="1297903"/>
+            <a:ext cx="8642438" cy="5793606"/>
+          </a:xfrm>
+          <a:prstGeom prst="rect">
+            <a:avLst/>
+          </a:prstGeom>
+        </p:spPr>
+      </p:pic>
+      <p:sp>
+        <p:nvSpPr>
+          <p:cNvPr id="24" name="Down Arrow 23">
+            <a:extLst>
+              <a:ext uri="{FF2B5EF4-FFF2-40B4-BE49-F238E27FC236}">
+                <a16:creationId xmlns:a16="http://schemas.microsoft.com/office/drawing/2014/main" id="{CE7323DA-0618-90B0-6D50-96BAC87BB658}"/>
+              </a:ext>
+            </a:extLst>
+          </p:cNvPr>
+          <p:cNvSpPr/>
+          <p:nvPr/>
+        </p:nvSpPr>
+        <p:spPr>
+          <a:xfrm>
+            <a:off x="1375929" y="2691654"/>
+            <a:ext cx="680005" cy="625947"/>
+          </a:xfrm>
+          <a:prstGeom prst="downArrow">
+            <a:avLst/>
+          </a:prstGeom>
+          <a:gradFill>
+            <a:gsLst>
+              <a:gs pos="50000">
+                <a:srgbClr val="99C6EF"/>
+              </a:gs>
+              <a:gs pos="0">
+                <a:schemeClr val="bg1"/>
+              </a:gs>
+              <a:gs pos="100000">
+                <a:srgbClr val="328DDE"/>
+              </a:gs>
+            </a:gsLst>
+            <a:lin ang="5400000" scaled="0"/>
+          </a:gradFill>
+          <a:ln>
+            <a:noFill/>
+          </a:ln>
+        </p:spPr>
+        <p:style>
+          <a:lnRef idx="2">
+            <a:schemeClr val="accent1">
+              <a:shade val="15000"/>
+            </a:schemeClr>
+          </a:lnRef>
+          <a:fillRef idx="1">
+            <a:schemeClr val="accent1"/>
+          </a:fillRef>
+          <a:effectRef idx="0">
+            <a:schemeClr val="accent1"/>
+          </a:effectRef>
+          <a:fontRef idx="minor">
+            <a:schemeClr val="lt1"/>
+          </a:fontRef>
+        </p:style>
+        <p:txBody>
+          <a:bodyPr rtlCol="0" anchor="ctr"/>
+          <a:lstStyle/>
+          <a:p>
+            <a:pPr algn="ctr"/>
+            <a:endParaRPr lang="en-US" sz="2800"/>
+          </a:p>
+        </p:txBody>
+      </p:sp>
+      <p:sp>
+        <p:nvSpPr>
+          <p:cNvPr id="25" name="Rounded Rectangle 24">
+            <a:extLst>
+              <a:ext uri="{FF2B5EF4-FFF2-40B4-BE49-F238E27FC236}">
+                <a16:creationId xmlns:a16="http://schemas.microsoft.com/office/drawing/2014/main" id="{EA7924DB-1C0F-51BF-C136-2F0233679E96}"/>
+              </a:ext>
+            </a:extLst>
+          </p:cNvPr>
+          <p:cNvSpPr/>
+          <p:nvPr/>
+        </p:nvSpPr>
+        <p:spPr>
+          <a:xfrm>
+            <a:off x="778441" y="3600453"/>
+            <a:ext cx="1874983" cy="806359"/>
+          </a:xfrm>
+          <a:prstGeom prst="roundRect">
+            <a:avLst/>
+          </a:prstGeom>
+          <a:solidFill>
+            <a:schemeClr val="accent5">
+              <a:lumMod val="60000"/>
+              <a:lumOff val="40000"/>
+            </a:schemeClr>
+          </a:solidFill>
+          <a:ln w="25400"/>
+        </p:spPr>
+        <p:style>
+          <a:lnRef idx="2">
+            <a:schemeClr val="accent1">
+              <a:shade val="15000"/>
+            </a:schemeClr>
+          </a:lnRef>
+          <a:fillRef idx="1">
+            <a:schemeClr val="accent1"/>
+          </a:fillRef>
+          <a:effectRef idx="0">
+            <a:schemeClr val="accent1"/>
+          </a:effectRef>
+          <a:fontRef idx="minor">
+            <a:schemeClr val="lt1"/>
+          </a:fontRef>
+        </p:style>
+        <p:txBody>
+          <a:bodyPr rtlCol="0" anchor="ctr"/>
+          <a:lstStyle/>
+          <a:p>
+            <a:pPr algn="ctr"/>
+            <a:r>
+              <a:rPr lang="en-US" sz="1600" dirty="0">
+                <a:solidFill>
+                  <a:schemeClr val="tx1"/>
+                </a:solidFill>
+                <a:latin typeface="Helvetica" pitchFamily="2" charset="0"/>
+              </a:rPr>
+              <a:t>Nonlinear </a:t>
+            </a:r>
+            <a:br>
+              <a:rPr lang="en-US" sz="1600" dirty="0">
+                <a:solidFill>
+                  <a:schemeClr val="tx1"/>
+                </a:solidFill>
+                <a:latin typeface="Helvetica" pitchFamily="2" charset="0"/>
+              </a:rPr>
+            </a:br>
+            <a:r>
+              <a:rPr lang="en-US" sz="1600" dirty="0">
+                <a:solidFill>
+                  <a:schemeClr val="tx1"/>
+                </a:solidFill>
+                <a:latin typeface="Helvetica" pitchFamily="2" charset="0"/>
+              </a:rPr>
+              <a:t>Forcing Term</a:t>
+            </a:r>
+          </a:p>
+        </p:txBody>
+      </p:sp>
+      <p:sp>
+        <p:nvSpPr>
+          <p:cNvPr id="26" name="Rounded Rectangle 25">
+            <a:extLst>
+              <a:ext uri="{FF2B5EF4-FFF2-40B4-BE49-F238E27FC236}">
+                <a16:creationId xmlns:a16="http://schemas.microsoft.com/office/drawing/2014/main" id="{1760ED29-5D4D-4118-DB25-6AFAAABCB827}"/>
+              </a:ext>
+            </a:extLst>
+          </p:cNvPr>
+          <p:cNvSpPr/>
+          <p:nvPr/>
+        </p:nvSpPr>
+        <p:spPr>
+          <a:xfrm>
+            <a:off x="11919373" y="5579844"/>
+            <a:ext cx="1874982" cy="806359"/>
+          </a:xfrm>
+          <a:prstGeom prst="roundRect">
+            <a:avLst/>
+          </a:prstGeom>
+          <a:solidFill>
+            <a:srgbClr val="EDB696"/>
+          </a:solidFill>
+          <a:ln w="25400"/>
+        </p:spPr>
+        <p:style>
+          <a:lnRef idx="2">
+            <a:schemeClr val="accent1">
+              <a:shade val="15000"/>
+            </a:schemeClr>
+          </a:lnRef>
+          <a:fillRef idx="1">
+            <a:schemeClr val="accent1"/>
+          </a:fillRef>
+          <a:effectRef idx="0">
+            <a:schemeClr val="accent1"/>
+          </a:effectRef>
+          <a:fontRef idx="minor">
+            <a:schemeClr val="lt1"/>
+          </a:fontRef>
+        </p:style>
+        <p:txBody>
+          <a:bodyPr rtlCol="0" anchor="ctr"/>
+          <a:lstStyle/>
+          <a:p>
+            <a:pPr algn="ctr"/>
+            <a:r>
+              <a:rPr lang="en-US" sz="1600" dirty="0">
+                <a:solidFill>
+                  <a:schemeClr val="tx1"/>
+                </a:solidFill>
+                <a:latin typeface="Helvetica" pitchFamily="2" charset="0"/>
+              </a:rPr>
+              <a:t>Transformation System</a:t>
+            </a:r>
+          </a:p>
+        </p:txBody>
+      </p:sp>
+      <p:sp>
+        <p:nvSpPr>
+          <p:cNvPr id="27" name="Rounded Rectangle 26">
+            <a:extLst>
+              <a:ext uri="{FF2B5EF4-FFF2-40B4-BE49-F238E27FC236}">
+                <a16:creationId xmlns:a16="http://schemas.microsoft.com/office/drawing/2014/main" id="{B4DF7118-FD70-5A21-1CA1-80D19AFA20BD}"/>
+              </a:ext>
+            </a:extLst>
+          </p:cNvPr>
+          <p:cNvSpPr/>
+          <p:nvPr/>
+        </p:nvSpPr>
+        <p:spPr>
+          <a:xfrm>
+            <a:off x="778441" y="5579844"/>
+            <a:ext cx="1874982" cy="806359"/>
+          </a:xfrm>
+          <a:prstGeom prst="roundRect">
+            <a:avLst/>
+          </a:prstGeom>
+          <a:solidFill>
+            <a:schemeClr val="accent5">
+              <a:lumMod val="60000"/>
+              <a:lumOff val="40000"/>
+            </a:schemeClr>
+          </a:solidFill>
+          <a:ln w="25400"/>
+        </p:spPr>
+        <p:style>
+          <a:lnRef idx="2">
+            <a:schemeClr val="accent1">
+              <a:shade val="15000"/>
+            </a:schemeClr>
+          </a:lnRef>
+          <a:fillRef idx="1">
+            <a:schemeClr val="accent1"/>
+          </a:fillRef>
+          <a:effectRef idx="0">
+            <a:schemeClr val="accent1"/>
+          </a:effectRef>
+          <a:fontRef idx="minor">
+            <a:schemeClr val="lt1"/>
+          </a:fontRef>
+        </p:style>
+        <p:txBody>
+          <a:bodyPr rtlCol="0" anchor="ctr"/>
+          <a:lstStyle/>
+          <a:p>
+            <a:pPr algn="ctr"/>
+            <a:r>
+              <a:rPr lang="en-US" sz="1600" dirty="0">
+                <a:solidFill>
+                  <a:schemeClr val="tx1"/>
+                </a:solidFill>
+                <a:latin typeface="Helvetica" pitchFamily="2" charset="0"/>
+              </a:rPr>
+              <a:t>Transformation System</a:t>
+            </a:r>
+          </a:p>
+        </p:txBody>
+      </p:sp>
+      <p:sp>
+        <p:nvSpPr>
+          <p:cNvPr id="28" name="Rounded Rectangle 27">
+            <a:extLst>
+              <a:ext uri="{FF2B5EF4-FFF2-40B4-BE49-F238E27FC236}">
+                <a16:creationId xmlns:a16="http://schemas.microsoft.com/office/drawing/2014/main" id="{535AB948-E5F8-BB89-C45F-F28AD5EDB4C1}"/>
+              </a:ext>
+            </a:extLst>
+          </p:cNvPr>
+          <p:cNvSpPr/>
+          <p:nvPr/>
+        </p:nvSpPr>
+        <p:spPr>
+          <a:xfrm>
+            <a:off x="11919373" y="3600453"/>
+            <a:ext cx="1874983" cy="806359"/>
+          </a:xfrm>
+          <a:prstGeom prst="roundRect">
+            <a:avLst/>
+          </a:prstGeom>
+          <a:solidFill>
+            <a:srgbClr val="EDB696"/>
+          </a:solidFill>
+          <a:ln w="25400"/>
+        </p:spPr>
+        <p:style>
+          <a:lnRef idx="2">
+            <a:schemeClr val="accent1">
+              <a:shade val="15000"/>
+            </a:schemeClr>
+          </a:lnRef>
+          <a:fillRef idx="1">
+            <a:schemeClr val="accent1"/>
+          </a:fillRef>
+          <a:effectRef idx="0">
+            <a:schemeClr val="accent1"/>
+          </a:effectRef>
+          <a:fontRef idx="minor">
+            <a:schemeClr val="lt1"/>
+          </a:fontRef>
+        </p:style>
+        <p:txBody>
+          <a:bodyPr rtlCol="0" anchor="ctr"/>
+          <a:lstStyle/>
+          <a:p>
+            <a:pPr algn="ctr"/>
+            <a:r>
+              <a:rPr lang="en-US" sz="1600" dirty="0">
+                <a:solidFill>
+                  <a:schemeClr val="tx1"/>
+                </a:solidFill>
+                <a:latin typeface="Helvetica" pitchFamily="2" charset="0"/>
+              </a:rPr>
+              <a:t>Nonlinear </a:t>
+            </a:r>
+            <a:br>
+              <a:rPr lang="en-US" sz="1600" dirty="0">
+                <a:solidFill>
+                  <a:schemeClr val="tx1"/>
+                </a:solidFill>
+                <a:latin typeface="Helvetica" pitchFamily="2" charset="0"/>
+              </a:rPr>
+            </a:br>
+            <a:r>
+              <a:rPr lang="en-US" sz="1600" dirty="0">
+                <a:solidFill>
+                  <a:schemeClr val="tx1"/>
+                </a:solidFill>
+                <a:latin typeface="Helvetica" pitchFamily="2" charset="0"/>
+              </a:rPr>
+              <a:t>Forcing Term</a:t>
+            </a:r>
+          </a:p>
+        </p:txBody>
+      </p:sp>
+      <p:sp>
+        <p:nvSpPr>
+          <p:cNvPr id="29" name="Rounded Rectangle 28">
+            <a:extLst>
+              <a:ext uri="{FF2B5EF4-FFF2-40B4-BE49-F238E27FC236}">
+                <a16:creationId xmlns:a16="http://schemas.microsoft.com/office/drawing/2014/main" id="{B06017E2-28F0-CF04-E28F-A5958664FD9B}"/>
+              </a:ext>
+            </a:extLst>
+          </p:cNvPr>
+          <p:cNvSpPr/>
+          <p:nvPr/>
+        </p:nvSpPr>
+        <p:spPr>
+          <a:xfrm>
+            <a:off x="11910773" y="1611753"/>
+            <a:ext cx="1874983" cy="806359"/>
+          </a:xfrm>
+          <a:prstGeom prst="roundRect">
+            <a:avLst/>
+          </a:prstGeom>
+          <a:solidFill>
+            <a:srgbClr val="EDB696"/>
+          </a:solidFill>
+          <a:ln w="25400"/>
+        </p:spPr>
+        <p:style>
+          <a:lnRef idx="2">
+            <a:schemeClr val="accent1">
+              <a:shade val="15000"/>
+            </a:schemeClr>
+          </a:lnRef>
+          <a:fillRef idx="1">
+            <a:schemeClr val="accent1"/>
+          </a:fillRef>
+          <a:effectRef idx="0">
+            <a:schemeClr val="accent1"/>
+          </a:effectRef>
+          <a:fontRef idx="minor">
+            <a:schemeClr val="lt1"/>
+          </a:fontRef>
+        </p:style>
+        <p:txBody>
+          <a:bodyPr rtlCol="0" anchor="ctr"/>
+          <a:lstStyle/>
+          <a:p>
+            <a:pPr algn="ctr"/>
+            <a:r>
+              <a:rPr lang="en-US" sz="1600" dirty="0">
+                <a:solidFill>
+                  <a:schemeClr val="tx1"/>
+                </a:solidFill>
+                <a:latin typeface="Helvetica" pitchFamily="2" charset="0"/>
+              </a:rPr>
+              <a:t>Canonical</a:t>
+            </a:r>
+          </a:p>
+          <a:p>
+            <a:pPr algn="ctr"/>
+            <a:r>
+              <a:rPr lang="en-US" sz="1600" dirty="0">
+                <a:solidFill>
+                  <a:schemeClr val="tx1"/>
+                </a:solidFill>
+                <a:latin typeface="Helvetica" pitchFamily="2" charset="0"/>
+              </a:rPr>
+              <a:t>System</a:t>
+            </a:r>
+          </a:p>
+        </p:txBody>
+      </p:sp>
+      <p:sp>
+        <p:nvSpPr>
+          <p:cNvPr id="30" name="Rounded Rectangle 29">
+            <a:extLst>
+              <a:ext uri="{FF2B5EF4-FFF2-40B4-BE49-F238E27FC236}">
+                <a16:creationId xmlns:a16="http://schemas.microsoft.com/office/drawing/2014/main" id="{1600211E-F5E4-2599-4634-FBB2647B3155}"/>
+              </a:ext>
+            </a:extLst>
+          </p:cNvPr>
+          <p:cNvSpPr/>
+          <p:nvPr/>
+        </p:nvSpPr>
+        <p:spPr>
+          <a:xfrm>
+            <a:off x="778441" y="1611753"/>
+            <a:ext cx="1874983" cy="806359"/>
+          </a:xfrm>
+          <a:prstGeom prst="roundRect">
+            <a:avLst/>
+          </a:prstGeom>
+          <a:solidFill>
+            <a:schemeClr val="accent5">
+              <a:lumMod val="60000"/>
+              <a:lumOff val="40000"/>
+            </a:schemeClr>
+          </a:solidFill>
+          <a:ln w="25400"/>
+        </p:spPr>
+        <p:style>
+          <a:lnRef idx="2">
+            <a:schemeClr val="accent1">
+              <a:shade val="15000"/>
+            </a:schemeClr>
+          </a:lnRef>
+          <a:fillRef idx="1">
+            <a:schemeClr val="accent1"/>
+          </a:fillRef>
+          <a:effectRef idx="0">
+            <a:schemeClr val="accent1"/>
+          </a:effectRef>
+          <a:fontRef idx="minor">
+            <a:schemeClr val="lt1"/>
+          </a:fontRef>
+        </p:style>
+        <p:txBody>
+          <a:bodyPr rtlCol="0" anchor="ctr"/>
+          <a:lstStyle/>
+          <a:p>
+            <a:pPr algn="ctr"/>
+            <a:r>
+              <a:rPr lang="en-US" sz="1600" dirty="0">
+                <a:solidFill>
+                  <a:schemeClr val="tx1"/>
+                </a:solidFill>
+                <a:latin typeface="Helvetica" pitchFamily="2" charset="0"/>
+              </a:rPr>
+              <a:t>Canonical</a:t>
+            </a:r>
+          </a:p>
+          <a:p>
+            <a:pPr algn="ctr"/>
+            <a:r>
+              <a:rPr lang="en-US" sz="1600" dirty="0">
+                <a:solidFill>
+                  <a:schemeClr val="tx1"/>
+                </a:solidFill>
+                <a:latin typeface="Helvetica" pitchFamily="2" charset="0"/>
+              </a:rPr>
+              <a:t>System</a:t>
+            </a:r>
+          </a:p>
+        </p:txBody>
+      </p:sp>
+      <p:sp>
+        <p:nvSpPr>
+          <p:cNvPr id="31" name="Down Arrow 30">
+            <a:extLst>
+              <a:ext uri="{FF2B5EF4-FFF2-40B4-BE49-F238E27FC236}">
+                <a16:creationId xmlns:a16="http://schemas.microsoft.com/office/drawing/2014/main" id="{261A37F2-5629-7DBA-9703-C386B2AE057D}"/>
+              </a:ext>
+            </a:extLst>
+          </p:cNvPr>
+          <p:cNvSpPr/>
+          <p:nvPr/>
+        </p:nvSpPr>
+        <p:spPr>
+          <a:xfrm>
+            <a:off x="1375929" y="4690271"/>
+            <a:ext cx="680005" cy="625947"/>
+          </a:xfrm>
+          <a:prstGeom prst="downArrow">
+            <a:avLst/>
+          </a:prstGeom>
+          <a:gradFill>
+            <a:gsLst>
+              <a:gs pos="50000">
+                <a:srgbClr val="99C6EF"/>
+              </a:gs>
+              <a:gs pos="0">
+                <a:schemeClr val="bg1"/>
+              </a:gs>
+              <a:gs pos="100000">
+                <a:srgbClr val="328DDE"/>
+              </a:gs>
+            </a:gsLst>
+            <a:lin ang="5400000" scaled="0"/>
+          </a:gradFill>
+          <a:ln>
+            <a:noFill/>
+          </a:ln>
+        </p:spPr>
+        <p:style>
+          <a:lnRef idx="2">
+            <a:schemeClr val="accent1">
+              <a:shade val="15000"/>
+            </a:schemeClr>
+          </a:lnRef>
+          <a:fillRef idx="1">
+            <a:schemeClr val="accent1"/>
+          </a:fillRef>
+          <a:effectRef idx="0">
+            <a:schemeClr val="accent1"/>
+          </a:effectRef>
+          <a:fontRef idx="minor">
+            <a:schemeClr val="lt1"/>
+          </a:fontRef>
+        </p:style>
+        <p:txBody>
+          <a:bodyPr rtlCol="0" anchor="ctr"/>
+          <a:lstStyle/>
+          <a:p>
+            <a:pPr algn="ctr"/>
+            <a:endParaRPr lang="en-US" sz="2800"/>
+          </a:p>
+        </p:txBody>
+      </p:sp>
+      <p:sp>
+        <p:nvSpPr>
+          <p:cNvPr id="32" name="Down Arrow 31">
+            <a:extLst>
+              <a:ext uri="{FF2B5EF4-FFF2-40B4-BE49-F238E27FC236}">
+                <a16:creationId xmlns:a16="http://schemas.microsoft.com/office/drawing/2014/main" id="{642D34BE-1F43-F704-E21B-6B9A3BE19757}"/>
+              </a:ext>
+            </a:extLst>
+          </p:cNvPr>
+          <p:cNvSpPr/>
+          <p:nvPr/>
+        </p:nvSpPr>
+        <p:spPr>
+          <a:xfrm>
+            <a:off x="12533951" y="2691654"/>
+            <a:ext cx="680005" cy="625947"/>
+          </a:xfrm>
+          <a:prstGeom prst="downArrow">
+            <a:avLst/>
+          </a:prstGeom>
+          <a:gradFill>
+            <a:gsLst>
+              <a:gs pos="0">
+                <a:schemeClr val="bg1"/>
+              </a:gs>
+              <a:gs pos="50000">
+                <a:srgbClr val="F3CDB7"/>
+              </a:gs>
+              <a:gs pos="100000">
+                <a:srgbClr val="E69A6E"/>
+              </a:gs>
+            </a:gsLst>
+            <a:lin ang="5400000" scaled="0"/>
+          </a:gradFill>
+          <a:ln>
+            <a:noFill/>
+          </a:ln>
+        </p:spPr>
+        <p:style>
+          <a:lnRef idx="2">
+            <a:schemeClr val="accent1">
+              <a:shade val="15000"/>
+            </a:schemeClr>
+          </a:lnRef>
+          <a:fillRef idx="1">
+            <a:schemeClr val="accent1"/>
+          </a:fillRef>
+          <a:effectRef idx="0">
+            <a:schemeClr val="accent1"/>
+          </a:effectRef>
+          <a:fontRef idx="minor">
+            <a:schemeClr val="lt1"/>
+          </a:fontRef>
+        </p:style>
+        <p:txBody>
+          <a:bodyPr rtlCol="0" anchor="ctr"/>
+          <a:lstStyle/>
+          <a:p>
+            <a:pPr algn="ctr"/>
+            <a:endParaRPr lang="en-US" sz="2800"/>
+          </a:p>
+        </p:txBody>
+      </p:sp>
+      <p:sp>
+        <p:nvSpPr>
+          <p:cNvPr id="33" name="Down Arrow 32">
+            <a:extLst>
+              <a:ext uri="{FF2B5EF4-FFF2-40B4-BE49-F238E27FC236}">
+                <a16:creationId xmlns:a16="http://schemas.microsoft.com/office/drawing/2014/main" id="{1FE0C5D1-8E08-6B1D-E0E1-4C39227D7227}"/>
+              </a:ext>
+            </a:extLst>
+          </p:cNvPr>
+          <p:cNvSpPr/>
+          <p:nvPr/>
+        </p:nvSpPr>
+        <p:spPr>
+          <a:xfrm>
+            <a:off x="12533951" y="4677209"/>
+            <a:ext cx="680005" cy="625947"/>
+          </a:xfrm>
+          <a:prstGeom prst="downArrow">
+            <a:avLst/>
+          </a:prstGeom>
+          <a:gradFill>
+            <a:gsLst>
+              <a:gs pos="0">
+                <a:schemeClr val="bg1"/>
+              </a:gs>
+              <a:gs pos="50000">
+                <a:srgbClr val="F3CDB7"/>
+              </a:gs>
+              <a:gs pos="100000">
+                <a:srgbClr val="E69A6E"/>
+              </a:gs>
+            </a:gsLst>
+            <a:lin ang="5400000" scaled="0"/>
+          </a:gradFill>
+          <a:ln>
+            <a:noFill/>
+          </a:ln>
+        </p:spPr>
+        <p:style>
+          <a:lnRef idx="2">
+            <a:schemeClr val="accent1">
+              <a:shade val="15000"/>
+            </a:schemeClr>
+          </a:lnRef>
+          <a:fillRef idx="1">
+            <a:schemeClr val="accent1"/>
+          </a:fillRef>
+          <a:effectRef idx="0">
+            <a:schemeClr val="accent1"/>
+          </a:effectRef>
+          <a:fontRef idx="minor">
+            <a:schemeClr val="lt1"/>
+          </a:fontRef>
+        </p:style>
+        <p:txBody>
+          <a:bodyPr rtlCol="0" anchor="ctr"/>
+          <a:lstStyle/>
+          <a:p>
+            <a:pPr algn="ctr"/>
+            <a:endParaRPr lang="en-US" sz="2800"/>
+          </a:p>
+        </p:txBody>
+      </p:sp>
+      <p:sp>
+        <p:nvSpPr>
+          <p:cNvPr id="34" name="Rounded Rectangle 33">
+            <a:extLst>
+              <a:ext uri="{FF2B5EF4-FFF2-40B4-BE49-F238E27FC236}">
+                <a16:creationId xmlns:a16="http://schemas.microsoft.com/office/drawing/2014/main" id="{8C16B152-D177-F488-0E5E-D352A42ADBEF}"/>
+              </a:ext>
+            </a:extLst>
+          </p:cNvPr>
+          <p:cNvSpPr/>
+          <p:nvPr/>
+        </p:nvSpPr>
+        <p:spPr>
+          <a:xfrm>
+            <a:off x="3413152" y="402957"/>
+            <a:ext cx="3313345" cy="720444"/>
+          </a:xfrm>
+          <a:prstGeom prst="roundRect">
+            <a:avLst/>
+          </a:prstGeom>
+          <a:solidFill>
+            <a:schemeClr val="accent5">
+              <a:lumMod val="60000"/>
+              <a:lumOff val="40000"/>
+            </a:schemeClr>
+          </a:solidFill>
+          <a:ln w="25400">
+            <a:noFill/>
+          </a:ln>
+        </p:spPr>
+        <p:style>
+          <a:lnRef idx="2">
+            <a:schemeClr val="accent1">
+              <a:shade val="15000"/>
+            </a:schemeClr>
+          </a:lnRef>
+          <a:fillRef idx="1">
+            <a:schemeClr val="accent1"/>
+          </a:fillRef>
+          <a:effectRef idx="0">
+            <a:schemeClr val="accent1"/>
+          </a:effectRef>
+          <a:fontRef idx="minor">
+            <a:schemeClr val="lt1"/>
+          </a:fontRef>
+        </p:style>
+        <p:txBody>
+          <a:bodyPr rtlCol="0" anchor="ctr"/>
+          <a:lstStyle/>
+          <a:p>
+            <a:pPr algn="ctr"/>
+            <a:r>
+              <a:rPr lang="en-US" sz="1600" dirty="0">
+                <a:solidFill>
+                  <a:schemeClr val="tx1"/>
+                </a:solidFill>
+                <a:latin typeface="Helvetica" pitchFamily="2" charset="0"/>
+              </a:rPr>
+              <a:t>Discrete </a:t>
+            </a:r>
+            <a:br>
+              <a:rPr lang="en-US" sz="1600" dirty="0">
+                <a:solidFill>
+                  <a:schemeClr val="tx1"/>
+                </a:solidFill>
+                <a:latin typeface="Helvetica" pitchFamily="2" charset="0"/>
+              </a:rPr>
+            </a:br>
+            <a:r>
+              <a:rPr lang="en-US" sz="1600" dirty="0">
+                <a:solidFill>
+                  <a:schemeClr val="tx1"/>
+                </a:solidFill>
+                <a:latin typeface="Helvetica" pitchFamily="2" charset="0"/>
+              </a:rPr>
+              <a:t>Dynamic Movement Primitives</a:t>
+            </a:r>
+          </a:p>
+        </p:txBody>
+      </p:sp>
+      <p:sp>
+        <p:nvSpPr>
+          <p:cNvPr id="35" name="Rounded Rectangle 34">
+            <a:extLst>
+              <a:ext uri="{FF2B5EF4-FFF2-40B4-BE49-F238E27FC236}">
+                <a16:creationId xmlns:a16="http://schemas.microsoft.com/office/drawing/2014/main" id="{EB362CD9-A3CE-0BAD-C9BC-94332A298715}"/>
+              </a:ext>
+            </a:extLst>
+          </p:cNvPr>
+          <p:cNvSpPr/>
+          <p:nvPr/>
+        </p:nvSpPr>
+        <p:spPr>
+          <a:xfrm>
+            <a:off x="8093640" y="402957"/>
+            <a:ext cx="3313345" cy="720444"/>
+          </a:xfrm>
+          <a:prstGeom prst="roundRect">
+            <a:avLst/>
+          </a:prstGeom>
+          <a:solidFill>
+            <a:srgbClr val="EDB696"/>
+          </a:solidFill>
+          <a:ln w="25400">
+            <a:noFill/>
+          </a:ln>
+        </p:spPr>
+        <p:style>
+          <a:lnRef idx="2">
+            <a:schemeClr val="accent1">
+              <a:shade val="15000"/>
+            </a:schemeClr>
+          </a:lnRef>
+          <a:fillRef idx="1">
+            <a:schemeClr val="accent1"/>
+          </a:fillRef>
+          <a:effectRef idx="0">
+            <a:schemeClr val="accent1"/>
+          </a:effectRef>
+          <a:fontRef idx="minor">
+            <a:schemeClr val="lt1"/>
+          </a:fontRef>
+        </p:style>
+        <p:txBody>
+          <a:bodyPr rtlCol="0" anchor="ctr"/>
+          <a:lstStyle/>
+          <a:p>
+            <a:pPr algn="ctr"/>
+            <a:r>
+              <a:rPr lang="en-US" sz="1600" dirty="0">
+                <a:solidFill>
+                  <a:schemeClr val="tx1"/>
+                </a:solidFill>
+                <a:latin typeface="Helvetica" pitchFamily="2" charset="0"/>
+              </a:rPr>
+              <a:t>Rhythmic </a:t>
+            </a:r>
+            <a:br>
+              <a:rPr lang="en-US" sz="1600" dirty="0">
+                <a:solidFill>
+                  <a:schemeClr val="tx1"/>
+                </a:solidFill>
+                <a:latin typeface="Helvetica" pitchFamily="2" charset="0"/>
+              </a:rPr>
+            </a:br>
+            <a:r>
+              <a:rPr lang="en-US" sz="1600" dirty="0">
+                <a:solidFill>
+                  <a:schemeClr val="tx1"/>
+                </a:solidFill>
+                <a:latin typeface="Helvetica" pitchFamily="2" charset="0"/>
+              </a:rPr>
+              <a:t>Dynamic Movement Primitives</a:t>
+            </a:r>
+          </a:p>
+        </p:txBody>
+      </p:sp>
     </p:spTree>
     <p:extLst>
       <p:ext uri="{BB962C8B-B14F-4D97-AF65-F5344CB8AC3E}">
